--- a/documents/Пискарёв_Кирилл_Защита.pptx
+++ b/documents/Пискарёв_Кирилл_Защита.pptx
@@ -19,16 +19,15 @@
     <p:sldId id="268" r:id="rId13"/>
     <p:sldId id="269" r:id="rId14"/>
     <p:sldId id="270" r:id="rId15"/>
-    <p:sldId id="274" r:id="rId16"/>
-    <p:sldId id="272" r:id="rId17"/>
-    <p:sldId id="273" r:id="rId18"/>
-    <p:sldId id="275" r:id="rId19"/>
-    <p:sldId id="276" r:id="rId20"/>
-    <p:sldId id="277" r:id="rId21"/>
-    <p:sldId id="278" r:id="rId22"/>
-    <p:sldId id="280" r:id="rId23"/>
-    <p:sldId id="279" r:id="rId24"/>
-    <p:sldId id="271" r:id="rId25"/>
+    <p:sldId id="272" r:id="rId16"/>
+    <p:sldId id="273" r:id="rId17"/>
+    <p:sldId id="275" r:id="rId18"/>
+    <p:sldId id="276" r:id="rId19"/>
+    <p:sldId id="277" r:id="rId20"/>
+    <p:sldId id="278" r:id="rId21"/>
+    <p:sldId id="280" r:id="rId22"/>
+    <p:sldId id="279" r:id="rId23"/>
+    <p:sldId id="271" r:id="rId24"/>
   </p:sldIdLst>
   <p:sldSz cx="12192000" cy="6858000"/>
   <p:notesSz cx="6858000" cy="9144000"/>
@@ -2764,7 +2763,7 @@
   <p:cSld>
     <p:bg>
       <p:bgRef idx="1001">
-        <a:schemeClr val="bg1"/>
+        <a:schemeClr val="bg2"/>
       </p:bgRef>
     </p:bg>
     <p:spTree>
@@ -3330,6 +3329,16 @@
 <file path=ppt/slides/slide1.xml><?xml version="1.0" encoding="utf-8"?>
 <p:sld xmlns:a="http://schemas.openxmlformats.org/drawingml/2006/main" xmlns:r="http://schemas.openxmlformats.org/officeDocument/2006/relationships" xmlns:p="http://schemas.openxmlformats.org/presentationml/2006/main">
   <p:cSld>
+    <p:bg>
+      <p:bgPr>
+        <a:solidFill>
+          <a:schemeClr val="bg1">
+            <a:lumMod val="95000"/>
+          </a:schemeClr>
+        </a:solidFill>
+        <a:effectLst/>
+      </p:bgPr>
+    </p:bg>
     <p:spTree>
       <p:nvGrpSpPr>
         <p:cNvPr id="1" name=""/>
@@ -3419,12 +3428,8 @@
               <a:rPr lang="ru-RU" dirty="0"/>
             </a:br>
             <a:r>
-              <a:rPr lang="ru-RU" b="1" cap="all" dirty="0" err="1"/>
-              <a:t>ВЕБ-Приложение</a:t>
-            </a:r>
-            <a:r>
               <a:rPr lang="ru-RU" b="1" cap="all" dirty="0"/>
-              <a:t> для управления и хранения Пользовательских заметок на языке программирования </a:t>
+              <a:t>Веб-Приложение для управления и хранения Пользовательских заметок на языке программирования </a:t>
             </a:r>
             <a:r>
               <a:rPr lang="en-US" b="1" cap="all" dirty="0"/>
@@ -3643,15 +3648,7 @@
             <a:pPr algn="l"/>
             <a:r>
               <a:rPr lang="ru-RU" dirty="0"/>
-              <a:t>Руководитель: Ст. преподаватель кафедры </a:t>
-            </a:r>
-            <a:r>
-              <a:rPr lang="ru-RU" dirty="0" err="1"/>
-              <a:t>ИСиТ</a:t>
-            </a:r>
-            <a:r>
-              <a:rPr lang="ru-RU" dirty="0"/>
-              <a:t>   Д. В. Горбачев</a:t>
+              <a:t>Руководитель: Ст. преподаватель кафедры ИСиТ   Д. В. Горбачев</a:t>
             </a:r>
           </a:p>
           <a:p>
@@ -3679,6 +3676,16 @@
 <file path=ppt/slides/slide10.xml><?xml version="1.0" encoding="utf-8"?>
 <p:sld xmlns:a="http://schemas.openxmlformats.org/drawingml/2006/main" xmlns:r="http://schemas.openxmlformats.org/officeDocument/2006/relationships" xmlns:p="http://schemas.openxmlformats.org/presentationml/2006/main">
   <p:cSld>
+    <p:bg>
+      <p:bgPr>
+        <a:solidFill>
+          <a:schemeClr val="bg1">
+            <a:lumMod val="95000"/>
+          </a:schemeClr>
+        </a:solidFill>
+        <a:effectLst/>
+      </p:bgPr>
+    </p:bg>
     <p:spTree>
       <p:nvGrpSpPr>
         <p:cNvPr id="1" name=""/>
@@ -3751,8 +3758,8 @@
         </p:blipFill>
         <p:spPr>
           <a:xfrm>
-            <a:off x="985421" y="937630"/>
-            <a:ext cx="10120544" cy="5902115"/>
+            <a:off x="985421" y="1209040"/>
+            <a:ext cx="10120544" cy="5630705"/>
           </a:xfrm>
           <a:prstGeom prst="rect">
             <a:avLst/>
@@ -3775,6 +3782,16 @@
 <file path=ppt/slides/slide11.xml><?xml version="1.0" encoding="utf-8"?>
 <p:sld xmlns:a="http://schemas.openxmlformats.org/drawingml/2006/main" xmlns:r="http://schemas.openxmlformats.org/officeDocument/2006/relationships" xmlns:p="http://schemas.openxmlformats.org/presentationml/2006/main">
   <p:cSld>
+    <p:bg>
+      <p:bgPr>
+        <a:solidFill>
+          <a:schemeClr val="bg1">
+            <a:lumMod val="95000"/>
+          </a:schemeClr>
+        </a:solidFill>
+        <a:effectLst/>
+      </p:bgPr>
+    </p:bg>
     <p:spTree>
       <p:nvGrpSpPr>
         <p:cNvPr id="1" name=""/>
@@ -3843,6 +3860,16 @@
 <file path=ppt/slides/slide12.xml><?xml version="1.0" encoding="utf-8"?>
 <p:sld xmlns:a="http://schemas.openxmlformats.org/drawingml/2006/main" xmlns:r="http://schemas.openxmlformats.org/officeDocument/2006/relationships" xmlns:p="http://schemas.openxmlformats.org/presentationml/2006/main">
   <p:cSld>
+    <p:bg>
+      <p:bgPr>
+        <a:solidFill>
+          <a:schemeClr val="bg1">
+            <a:lumMod val="95000"/>
+          </a:schemeClr>
+        </a:solidFill>
+        <a:effectLst/>
+      </p:bgPr>
+    </p:bg>
     <p:spTree>
       <p:nvGrpSpPr>
         <p:cNvPr id="1" name=""/>
@@ -3911,6 +3938,16 @@
 <file path=ppt/slides/slide13.xml><?xml version="1.0" encoding="utf-8"?>
 <p:sld xmlns:a="http://schemas.openxmlformats.org/drawingml/2006/main" xmlns:r="http://schemas.openxmlformats.org/officeDocument/2006/relationships" xmlns:p="http://schemas.openxmlformats.org/presentationml/2006/main">
   <p:cSld>
+    <p:bg>
+      <p:bgPr>
+        <a:solidFill>
+          <a:schemeClr val="bg1">
+            <a:lumMod val="95000"/>
+          </a:schemeClr>
+        </a:solidFill>
+        <a:effectLst/>
+      </p:bgPr>
+    </p:bg>
     <p:spTree>
       <p:nvGrpSpPr>
         <p:cNvPr id="1" name=""/>
@@ -3979,6 +4016,16 @@
 <file path=ppt/slides/slide14.xml><?xml version="1.0" encoding="utf-8"?>
 <p:sld xmlns:a="http://schemas.openxmlformats.org/drawingml/2006/main" xmlns:r="http://schemas.openxmlformats.org/officeDocument/2006/relationships" xmlns:p="http://schemas.openxmlformats.org/presentationml/2006/main">
   <p:cSld>
+    <p:bg>
+      <p:bgPr>
+        <a:solidFill>
+          <a:schemeClr val="bg1">
+            <a:lumMod val="95000"/>
+          </a:schemeClr>
+        </a:solidFill>
+        <a:effectLst/>
+      </p:bgPr>
+    </p:bg>
     <p:spTree>
       <p:nvGrpSpPr>
         <p:cNvPr id="1" name=""/>
@@ -4118,116 +4165,16 @@
 <file path=ppt/slides/slide15.xml><?xml version="1.0" encoding="utf-8"?>
 <p:sld xmlns:a="http://schemas.openxmlformats.org/drawingml/2006/main" xmlns:r="http://schemas.openxmlformats.org/officeDocument/2006/relationships" xmlns:p="http://schemas.openxmlformats.org/presentationml/2006/main">
   <p:cSld>
-    <p:spTree>
-      <p:nvGrpSpPr>
-        <p:cNvPr id="1" name=""/>
-        <p:cNvGrpSpPr/>
-        <p:nvPr/>
-      </p:nvGrpSpPr>
-      <p:grpSpPr>
-        <a:xfrm>
-          <a:off x="0" y="0"/>
-          <a:ext cx="0" cy="0"/>
-          <a:chOff x="0" y="0"/>
-          <a:chExt cx="0" cy="0"/>
-        </a:xfrm>
-      </p:grpSpPr>
-      <p:sp>
-        <p:nvSpPr>
-          <p:cNvPr id="2" name="Заголовок 1">
-            <a:extLst>
-              <a:ext uri="{FF2B5EF4-FFF2-40B4-BE49-F238E27FC236}">
-                <a16:creationId xmlns:a16="http://schemas.microsoft.com/office/drawing/2014/main" id="{50D74593-B6FF-4BD0-924D-0137BA0395A1}"/>
-              </a:ext>
-            </a:extLst>
-          </p:cNvPr>
-          <p:cNvSpPr>
-            <a:spLocks noGrp="1"/>
-          </p:cNvSpPr>
-          <p:nvPr>
-            <p:ph type="title"/>
-          </p:nvPr>
-        </p:nvSpPr>
-        <p:spPr>
-          <a:xfrm>
-            <a:off x="838200" y="18255"/>
-            <a:ext cx="10515600" cy="1325563"/>
-          </a:xfrm>
-        </p:spPr>
-        <p:txBody>
-          <a:bodyPr/>
-          <a:lstStyle/>
-          <a:p>
-            <a:pPr algn="ctr"/>
-            <a:r>
-              <a:rPr lang="ru-RU" b="1" dirty="0"/>
-              <a:t>Архитектура</a:t>
-            </a:r>
-          </a:p>
-        </p:txBody>
-      </p:sp>
-      <p:pic>
-        <p:nvPicPr>
-          <p:cNvPr id="4" name="Объект 3" descr="vuex">
-            <a:extLst>
-              <a:ext uri="{FF2B5EF4-FFF2-40B4-BE49-F238E27FC236}">
-                <a16:creationId xmlns:a16="http://schemas.microsoft.com/office/drawing/2014/main" id="{C60DFE3F-4880-4417-87EA-ACF465DDB6C8}"/>
-              </a:ext>
-            </a:extLst>
-          </p:cNvPr>
-          <p:cNvPicPr>
-            <a:picLocks noGrp="1"/>
-          </p:cNvPicPr>
-          <p:nvPr>
-            <p:ph idx="1"/>
-          </p:nvPr>
-        </p:nvPicPr>
-        <p:blipFill rotWithShape="1">
-          <a:blip r:embed="rId2">
-            <a:extLst>
-              <a:ext uri="{28A0092B-C50C-407E-A947-70E740481C1C}">
-                <a14:useLocalDpi xmlns:a14="http://schemas.microsoft.com/office/drawing/2010/main" val="0"/>
-              </a:ext>
-            </a:extLst>
-          </a:blip>
-          <a:srcRect l="4847" t="7711" r="5768" b="10585"/>
-          <a:stretch/>
-        </p:blipFill>
-        <p:spPr bwMode="auto">
-          <a:xfrm>
-            <a:off x="1589103" y="1343818"/>
-            <a:ext cx="9454717" cy="5190147"/>
-          </a:xfrm>
-          <a:prstGeom prst="rect">
-            <a:avLst/>
-          </a:prstGeom>
-          <a:noFill/>
-          <a:ln>
-            <a:noFill/>
-          </a:ln>
-          <a:extLst>
-            <a:ext uri="{53640926-AAD7-44D8-BBD7-CCE9431645EC}">
-              <a14:shadowObscured xmlns:a14="http://schemas.microsoft.com/office/drawing/2010/main"/>
-            </a:ext>
-          </a:extLst>
-        </p:spPr>
-      </p:pic>
-    </p:spTree>
-    <p:extLst>
-      <p:ext uri="{BB962C8B-B14F-4D97-AF65-F5344CB8AC3E}">
-        <p14:creationId xmlns:p14="http://schemas.microsoft.com/office/powerpoint/2010/main" val="397144510"/>
-      </p:ext>
-    </p:extLst>
-  </p:cSld>
-  <p:clrMapOvr>
-    <a:masterClrMapping/>
-  </p:clrMapOvr>
-</p:sld>
-</file>
-
-<file path=ppt/slides/slide16.xml><?xml version="1.0" encoding="utf-8"?>
-<p:sld xmlns:a="http://schemas.openxmlformats.org/drawingml/2006/main" xmlns:r="http://schemas.openxmlformats.org/officeDocument/2006/relationships" xmlns:p="http://schemas.openxmlformats.org/presentationml/2006/main">
-  <p:cSld>
+    <p:bg>
+      <p:bgPr>
+        <a:solidFill>
+          <a:schemeClr val="bg1">
+            <a:lumMod val="95000"/>
+          </a:schemeClr>
+        </a:solidFill>
+        <a:effectLst/>
+      </p:bgPr>
+    </p:bg>
     <p:spTree>
       <p:nvGrpSpPr>
         <p:cNvPr id="1" name=""/>
@@ -4402,9 +4349,19 @@
 </p:sld>
 </file>
 
-<file path=ppt/slides/slide17.xml><?xml version="1.0" encoding="utf-8"?>
+<file path=ppt/slides/slide16.xml><?xml version="1.0" encoding="utf-8"?>
 <p:sld xmlns:a="http://schemas.openxmlformats.org/drawingml/2006/main" xmlns:r="http://schemas.openxmlformats.org/officeDocument/2006/relationships" xmlns:p="http://schemas.openxmlformats.org/presentationml/2006/main">
   <p:cSld>
+    <p:bg>
+      <p:bgPr>
+        <a:solidFill>
+          <a:schemeClr val="bg1">
+            <a:lumMod val="95000"/>
+          </a:schemeClr>
+        </a:solidFill>
+        <a:effectLst/>
+      </p:bgPr>
+    </p:bg>
     <p:spTree>
       <p:nvGrpSpPr>
         <p:cNvPr id="1" name=""/>
@@ -4503,9 +4460,19 @@
 </p:sld>
 </file>
 
-<file path=ppt/slides/slide18.xml><?xml version="1.0" encoding="utf-8"?>
+<file path=ppt/slides/slide17.xml><?xml version="1.0" encoding="utf-8"?>
 <p:sld xmlns:a="http://schemas.openxmlformats.org/drawingml/2006/main" xmlns:r="http://schemas.openxmlformats.org/officeDocument/2006/relationships" xmlns:p="http://schemas.openxmlformats.org/presentationml/2006/main">
   <p:cSld>
+    <p:bg>
+      <p:bgPr>
+        <a:solidFill>
+          <a:schemeClr val="bg1">
+            <a:lumMod val="95000"/>
+          </a:schemeClr>
+        </a:solidFill>
+        <a:effectLst/>
+      </p:bgPr>
+    </p:bg>
     <p:spTree>
       <p:nvGrpSpPr>
         <p:cNvPr id="1" name=""/>
@@ -4641,9 +4608,19 @@
 </p:sld>
 </file>
 
-<file path=ppt/slides/slide19.xml><?xml version="1.0" encoding="utf-8"?>
+<file path=ppt/slides/slide18.xml><?xml version="1.0" encoding="utf-8"?>
 <p:sld xmlns:a="http://schemas.openxmlformats.org/drawingml/2006/main" xmlns:r="http://schemas.openxmlformats.org/officeDocument/2006/relationships" xmlns:p="http://schemas.openxmlformats.org/presentationml/2006/main">
   <p:cSld>
+    <p:bg>
+      <p:bgPr>
+        <a:solidFill>
+          <a:schemeClr val="bg1">
+            <a:lumMod val="95000"/>
+          </a:schemeClr>
+        </a:solidFill>
+        <a:effectLst/>
+      </p:bgPr>
+    </p:bg>
     <p:spTree>
       <p:nvGrpSpPr>
         <p:cNvPr id="1" name=""/>
@@ -4716,8 +4693,8 @@
         </p:blipFill>
         <p:spPr>
           <a:xfrm>
-            <a:off x="585926" y="1127464"/>
-            <a:ext cx="11398928" cy="5566299"/>
+            <a:off x="585926" y="1270000"/>
+            <a:ext cx="11398928" cy="5423763"/>
           </a:xfrm>
           <a:prstGeom prst="rect">
             <a:avLst/>
@@ -4742,115 +4719,19 @@
 </p:sld>
 </file>
 
-<file path=ppt/slides/slide2.xml><?xml version="1.0" encoding="utf-8"?>
+<file path=ppt/slides/slide19.xml><?xml version="1.0" encoding="utf-8"?>
 <p:sld xmlns:a="http://schemas.openxmlformats.org/drawingml/2006/main" xmlns:r="http://schemas.openxmlformats.org/officeDocument/2006/relationships" xmlns:p="http://schemas.openxmlformats.org/presentationml/2006/main">
   <p:cSld>
-    <p:spTree>
-      <p:nvGrpSpPr>
-        <p:cNvPr id="1" name=""/>
-        <p:cNvGrpSpPr/>
-        <p:nvPr/>
-      </p:nvGrpSpPr>
-      <p:grpSpPr>
-        <a:xfrm>
-          <a:off x="0" y="0"/>
-          <a:ext cx="0" cy="0"/>
-          <a:chOff x="0" y="0"/>
-          <a:chExt cx="0" cy="0"/>
-        </a:xfrm>
-      </p:grpSpPr>
-      <p:sp>
-        <p:nvSpPr>
-          <p:cNvPr id="2" name="Заголовок 1">
-            <a:extLst>
-              <a:ext uri="{FF2B5EF4-FFF2-40B4-BE49-F238E27FC236}">
-                <a16:creationId xmlns:a16="http://schemas.microsoft.com/office/drawing/2014/main" id="{6E92BB59-1614-4B56-B8B7-AC40EEB15693}"/>
-              </a:ext>
-            </a:extLst>
-          </p:cNvPr>
-          <p:cNvSpPr>
-            <a:spLocks noGrp="1"/>
-          </p:cNvSpPr>
-          <p:nvPr>
-            <p:ph type="title"/>
-          </p:nvPr>
-        </p:nvSpPr>
-        <p:spPr>
-          <a:xfrm>
-            <a:off x="838200" y="0"/>
-            <a:ext cx="10515600" cy="1325563"/>
-          </a:xfrm>
-        </p:spPr>
-        <p:txBody>
-          <a:bodyPr/>
-          <a:lstStyle/>
-          <a:p>
-            <a:pPr algn="ctr"/>
-            <a:r>
-              <a:rPr lang="ru-RU" b="1" dirty="0"/>
-              <a:t>Цель дипломного проекта</a:t>
-            </a:r>
-          </a:p>
-        </p:txBody>
-      </p:sp>
-      <p:sp>
-        <p:nvSpPr>
-          <p:cNvPr id="3" name="Объект 2">
-            <a:extLst>
-              <a:ext uri="{FF2B5EF4-FFF2-40B4-BE49-F238E27FC236}">
-                <a16:creationId xmlns:a16="http://schemas.microsoft.com/office/drawing/2014/main" id="{2725DC4D-AB5F-497A-8207-BD918C76A7B9}"/>
-              </a:ext>
-            </a:extLst>
-          </p:cNvPr>
-          <p:cNvSpPr>
-            <a:spLocks noGrp="1"/>
-          </p:cNvSpPr>
-          <p:nvPr>
-            <p:ph idx="1"/>
-          </p:nvPr>
-        </p:nvSpPr>
-        <p:spPr>
-          <a:xfrm>
-            <a:off x="758301" y="2503503"/>
-            <a:ext cx="10515600" cy="3773010"/>
-          </a:xfrm>
-        </p:spPr>
-        <p:txBody>
-          <a:bodyPr>
-            <a:normAutofit/>
-          </a:bodyPr>
-          <a:lstStyle/>
-          <a:p>
-            <a:pPr marL="0" indent="0" algn="just">
-              <a:buNone/>
-            </a:pPr>
-            <a:r>
-              <a:rPr lang="ru-RU" dirty="0"/>
-              <a:t>	Целью данного дипломного проекта является сбор и анализ информации существующих аналогов в этой области и созданием собственного веб-приложения для управления и хранения пользовательских заметок. </a:t>
-            </a:r>
-          </a:p>
-          <a:p>
-            <a:pPr algn="just"/>
-            <a:endParaRPr lang="ru-RU" dirty="0"/>
-          </a:p>
-        </p:txBody>
-      </p:sp>
-    </p:spTree>
-    <p:extLst>
-      <p:ext uri="{BB962C8B-B14F-4D97-AF65-F5344CB8AC3E}">
-        <p14:creationId xmlns:p14="http://schemas.microsoft.com/office/powerpoint/2010/main" val="3064032108"/>
-      </p:ext>
-    </p:extLst>
-  </p:cSld>
-  <p:clrMapOvr>
-    <a:masterClrMapping/>
-  </p:clrMapOvr>
-</p:sld>
-</file>
-
-<file path=ppt/slides/slide20.xml><?xml version="1.0" encoding="utf-8"?>
-<p:sld xmlns:a="http://schemas.openxmlformats.org/drawingml/2006/main" xmlns:r="http://schemas.openxmlformats.org/officeDocument/2006/relationships" xmlns:p="http://schemas.openxmlformats.org/presentationml/2006/main">
-  <p:cSld>
+    <p:bg>
+      <p:bgPr>
+        <a:solidFill>
+          <a:schemeClr val="bg1">
+            <a:lumMod val="95000"/>
+          </a:schemeClr>
+        </a:solidFill>
+        <a:effectLst/>
+      </p:bgPr>
+    </p:bg>
     <p:spTree>
       <p:nvGrpSpPr>
         <p:cNvPr id="1" name=""/>
@@ -4982,9 +4863,19 @@
 </p:sld>
 </file>
 
-<file path=ppt/slides/slide21.xml><?xml version="1.0" encoding="utf-8"?>
+<file path=ppt/slides/slide2.xml><?xml version="1.0" encoding="utf-8"?>
 <p:sld xmlns:a="http://schemas.openxmlformats.org/drawingml/2006/main" xmlns:r="http://schemas.openxmlformats.org/officeDocument/2006/relationships" xmlns:p="http://schemas.openxmlformats.org/presentationml/2006/main">
   <p:cSld>
+    <p:bg>
+      <p:bgPr>
+        <a:solidFill>
+          <a:schemeClr val="bg1">
+            <a:lumMod val="95000"/>
+          </a:schemeClr>
+        </a:solidFill>
+        <a:effectLst/>
+      </p:bgPr>
+    </p:bg>
     <p:spTree>
       <p:nvGrpSpPr>
         <p:cNvPr id="1" name=""/>
@@ -5004,6 +4895,122 @@
           <p:cNvPr id="2" name="Заголовок 1">
             <a:extLst>
               <a:ext uri="{FF2B5EF4-FFF2-40B4-BE49-F238E27FC236}">
+                <a16:creationId xmlns:a16="http://schemas.microsoft.com/office/drawing/2014/main" id="{6E92BB59-1614-4B56-B8B7-AC40EEB15693}"/>
+              </a:ext>
+            </a:extLst>
+          </p:cNvPr>
+          <p:cNvSpPr>
+            <a:spLocks noGrp="1"/>
+          </p:cNvSpPr>
+          <p:nvPr>
+            <p:ph type="title"/>
+          </p:nvPr>
+        </p:nvSpPr>
+        <p:spPr>
+          <a:xfrm>
+            <a:off x="838200" y="0"/>
+            <a:ext cx="10515600" cy="1325563"/>
+          </a:xfrm>
+        </p:spPr>
+        <p:txBody>
+          <a:bodyPr/>
+          <a:lstStyle/>
+          <a:p>
+            <a:pPr algn="ctr"/>
+            <a:r>
+              <a:rPr lang="ru-RU" b="1" dirty="0"/>
+              <a:t>Цель дипломного проекта</a:t>
+            </a:r>
+          </a:p>
+        </p:txBody>
+      </p:sp>
+      <p:sp>
+        <p:nvSpPr>
+          <p:cNvPr id="3" name="Объект 2">
+            <a:extLst>
+              <a:ext uri="{FF2B5EF4-FFF2-40B4-BE49-F238E27FC236}">
+                <a16:creationId xmlns:a16="http://schemas.microsoft.com/office/drawing/2014/main" id="{2725DC4D-AB5F-497A-8207-BD918C76A7B9}"/>
+              </a:ext>
+            </a:extLst>
+          </p:cNvPr>
+          <p:cNvSpPr>
+            <a:spLocks noGrp="1"/>
+          </p:cNvSpPr>
+          <p:nvPr>
+            <p:ph idx="1"/>
+          </p:nvPr>
+        </p:nvSpPr>
+        <p:spPr>
+          <a:xfrm>
+            <a:off x="758301" y="2503503"/>
+            <a:ext cx="10515600" cy="3773010"/>
+          </a:xfrm>
+        </p:spPr>
+        <p:txBody>
+          <a:bodyPr>
+            <a:normAutofit/>
+          </a:bodyPr>
+          <a:lstStyle/>
+          <a:p>
+            <a:pPr marL="0" indent="0" algn="just">
+              <a:buNone/>
+            </a:pPr>
+            <a:r>
+              <a:rPr lang="ru-RU" dirty="0"/>
+              <a:t>	Целью данного дипломного проекта является сбор и анализ информации существующих аналогов в этой области и созданием собственного веб-приложения для управления и хранения пользовательских заметок. </a:t>
+            </a:r>
+          </a:p>
+          <a:p>
+            <a:pPr algn="just"/>
+            <a:endParaRPr lang="ru-RU" dirty="0"/>
+          </a:p>
+        </p:txBody>
+      </p:sp>
+    </p:spTree>
+    <p:extLst>
+      <p:ext uri="{BB962C8B-B14F-4D97-AF65-F5344CB8AC3E}">
+        <p14:creationId xmlns:p14="http://schemas.microsoft.com/office/powerpoint/2010/main" val="3064032108"/>
+      </p:ext>
+    </p:extLst>
+  </p:cSld>
+  <p:clrMapOvr>
+    <a:masterClrMapping/>
+  </p:clrMapOvr>
+</p:sld>
+</file>
+
+<file path=ppt/slides/slide20.xml><?xml version="1.0" encoding="utf-8"?>
+<p:sld xmlns:a="http://schemas.openxmlformats.org/drawingml/2006/main" xmlns:r="http://schemas.openxmlformats.org/officeDocument/2006/relationships" xmlns:p="http://schemas.openxmlformats.org/presentationml/2006/main">
+  <p:cSld>
+    <p:bg>
+      <p:bgPr>
+        <a:solidFill>
+          <a:schemeClr val="bg1">
+            <a:lumMod val="95000"/>
+          </a:schemeClr>
+        </a:solidFill>
+        <a:effectLst/>
+      </p:bgPr>
+    </p:bg>
+    <p:spTree>
+      <p:nvGrpSpPr>
+        <p:cNvPr id="1" name=""/>
+        <p:cNvGrpSpPr/>
+        <p:nvPr/>
+      </p:nvGrpSpPr>
+      <p:grpSpPr>
+        <a:xfrm>
+          <a:off x="0" y="0"/>
+          <a:ext cx="0" cy="0"/>
+          <a:chOff x="0" y="0"/>
+          <a:chExt cx="0" cy="0"/>
+        </a:xfrm>
+      </p:grpSpPr>
+      <p:sp>
+        <p:nvSpPr>
+          <p:cNvPr id="2" name="Заголовок 1">
+            <a:extLst>
+              <a:ext uri="{FF2B5EF4-FFF2-40B4-BE49-F238E27FC236}">
                 <a16:creationId xmlns:a16="http://schemas.microsoft.com/office/drawing/2014/main" id="{2ED22C4F-013B-4A5F-9E2A-920F3D6CC91C}"/>
               </a:ext>
             </a:extLst>
@@ -5057,8 +5064,8 @@
         </p:blipFill>
         <p:spPr>
           <a:xfrm>
-            <a:off x="443884" y="1020932"/>
-            <a:ext cx="11434438" cy="5672831"/>
+            <a:off x="443884" y="1343818"/>
+            <a:ext cx="11434438" cy="5349945"/>
           </a:xfrm>
           <a:prstGeom prst="rect">
             <a:avLst/>
@@ -5083,9 +5090,19 @@
 </p:sld>
 </file>
 
-<file path=ppt/slides/slide22.xml><?xml version="1.0" encoding="utf-8"?>
+<file path=ppt/slides/slide21.xml><?xml version="1.0" encoding="utf-8"?>
 <p:sld xmlns:a="http://schemas.openxmlformats.org/drawingml/2006/main" xmlns:r="http://schemas.openxmlformats.org/officeDocument/2006/relationships" xmlns:p="http://schemas.openxmlformats.org/presentationml/2006/main">
   <p:cSld>
+    <p:bg>
+      <p:bgPr>
+        <a:solidFill>
+          <a:schemeClr val="bg1">
+            <a:lumMod val="95000"/>
+          </a:schemeClr>
+        </a:solidFill>
+        <a:effectLst/>
+      </p:bgPr>
+    </p:bg>
     <p:spTree>
       <p:nvGrpSpPr>
         <p:cNvPr id="1" name=""/>
@@ -5174,14 +5191,23 @@
               <a:p>
                 <a:r>
                   <a:rPr lang="ru-RU" dirty="0"/>
+                  <a:t>Затраты на разработку –  17059.01 </a:t>
+                </a:r>
+                <a:r>
+                  <a:rPr lang="ru-RU" dirty="0" err="1"/>
+                  <a:t>руб</a:t>
+                </a:r>
+                <a:endParaRPr lang="ru-RU" dirty="0"/>
+              </a:p>
+              <a:p>
+                <a:r>
+                  <a:rPr lang="ru-RU" dirty="0"/>
                   <a:t>П</a:t>
                 </a:r>
                 <a14:m>
                   <m:oMath xmlns:m="http://schemas.openxmlformats.org/officeDocument/2006/math">
                     <m:r>
-                      <a:rPr lang="ru-RU" b="0" i="0" smtClean="0">
-                        <a:latin typeface="Cambria Math" panose="02040503050406030204" pitchFamily="18" charset="0"/>
-                      </a:rPr>
+                      <a:rPr lang="ru-RU" b="0" i="0" smtClean="0"/>
                       <m:t>рибыль  − </m:t>
                     </m:r>
                     <m:r>
@@ -5203,9 +5229,7 @@
                 <a14:m>
                   <m:oMath xmlns:m="http://schemas.openxmlformats.org/officeDocument/2006/math">
                     <m:r>
-                      <a:rPr lang="ru-RU" b="0" i="0" smtClean="0">
-                        <a:latin typeface="Cambria Math" panose="02040503050406030204" pitchFamily="18" charset="0"/>
-                      </a:rPr>
+                      <a:rPr lang="ru-RU" b="0" i="0" smtClean="0"/>
                       <m:t>− </m:t>
                     </m:r>
                     <m:r>
@@ -5278,9 +5302,19 @@
 </p:sld>
 </file>
 
-<file path=ppt/slides/slide23.xml><?xml version="1.0" encoding="utf-8"?>
+<file path=ppt/slides/slide22.xml><?xml version="1.0" encoding="utf-8"?>
 <p:sld xmlns:a="http://schemas.openxmlformats.org/drawingml/2006/main" xmlns:r="http://schemas.openxmlformats.org/officeDocument/2006/relationships" xmlns:p="http://schemas.openxmlformats.org/presentationml/2006/main">
   <p:cSld>
+    <p:bg>
+      <p:bgPr>
+        <a:solidFill>
+          <a:schemeClr val="bg1">
+            <a:lumMod val="95000"/>
+          </a:schemeClr>
+        </a:solidFill>
+        <a:effectLst/>
+      </p:bgPr>
+    </p:bg>
     <p:spTree>
       <p:nvGrpSpPr>
         <p:cNvPr id="1" name=""/>
@@ -5347,8 +5381,8 @@
         </p:nvSpPr>
         <p:spPr>
           <a:xfrm>
-            <a:off x="838200" y="1343818"/>
-            <a:ext cx="10515600" cy="5172392"/>
+            <a:off x="838200" y="1892968"/>
+            <a:ext cx="10515600" cy="4623242"/>
           </a:xfrm>
         </p:spPr>
         <p:txBody>
@@ -5360,18 +5394,6 @@
             </a:pPr>
             <a:r>
               <a:rPr lang="ru-RU" dirty="0"/>
-              <a:t>	Разработано веб-приложение для управления и хранения пользовательских заметок.</a:t>
-            </a:r>
-          </a:p>
-          <a:p>
-            <a:pPr marL="0" indent="0">
-              <a:buNone/>
-            </a:pPr>
-            <a:br>
-              <a:rPr lang="ru-RU" dirty="0"/>
-            </a:br>
-            <a:r>
-              <a:rPr lang="ru-RU" dirty="0"/>
               <a:t>Были выполнены поставленные цели и задачи</a:t>
             </a:r>
           </a:p>
@@ -5382,14 +5404,12 @@
             </a:r>
           </a:p>
           <a:p>
-            <a:pPr algn="just"/>
             <a:r>
               <a:rPr lang="ru-RU" dirty="0"/>
               <a:t>Спроектировано и разработано программное средство  удовлетворяющие поставленным требованиям</a:t>
             </a:r>
           </a:p>
           <a:p>
-            <a:pPr algn="just"/>
             <a:r>
               <a:rPr lang="ru-RU" dirty="0"/>
               <a:t>Проект протестирован и отлажен</a:t>
@@ -5416,9 +5436,19 @@
 </p:sld>
 </file>
 
-<file path=ppt/slides/slide24.xml><?xml version="1.0" encoding="utf-8"?>
+<file path=ppt/slides/slide23.xml><?xml version="1.0" encoding="utf-8"?>
 <p:sld xmlns:a="http://schemas.openxmlformats.org/drawingml/2006/main" xmlns:r="http://schemas.openxmlformats.org/officeDocument/2006/relationships" xmlns:p="http://schemas.openxmlformats.org/presentationml/2006/main">
   <p:cSld>
+    <p:bg>
+      <p:bgPr>
+        <a:solidFill>
+          <a:schemeClr val="bg1">
+            <a:lumMod val="95000"/>
+          </a:schemeClr>
+        </a:solidFill>
+        <a:effectLst/>
+      </p:bgPr>
+    </p:bg>
     <p:spTree>
       <p:nvGrpSpPr>
         <p:cNvPr id="1" name=""/>
@@ -5505,15 +5535,15 @@
               <a:t>На тему:</a:t>
             </a:r>
             <a:br>
-              <a:rPr lang="ru-RU" dirty="0"/>
+              <a:rPr lang="ru-RU"/>
             </a:br>
             <a:r>
-              <a:rPr lang="ru-RU" b="1" cap="all" dirty="0" err="1"/>
-              <a:t>ВЕБ-Приложение</a:t>
+              <a:rPr lang="ru-RU" b="1" cap="all"/>
+              <a:t>ВЕБ-Приложение </a:t>
             </a:r>
             <a:r>
               <a:rPr lang="ru-RU" b="1" cap="all" dirty="0"/>
-              <a:t> для управления и хранения Пользовательских заметок на языке программирования </a:t>
+              <a:t>для управления и хранения Пользовательских заметок на языке программирования </a:t>
             </a:r>
             <a:r>
               <a:rPr lang="en-US" b="1" cap="all" dirty="0"/>
@@ -5732,15 +5762,7 @@
             <a:pPr algn="l"/>
             <a:r>
               <a:rPr lang="ru-RU" dirty="0"/>
-              <a:t>Руководитель: Ст. преподаватель кафедры </a:t>
-            </a:r>
-            <a:r>
-              <a:rPr lang="ru-RU" dirty="0" err="1"/>
-              <a:t>ИСиТ</a:t>
-            </a:r>
-            <a:r>
-              <a:rPr lang="ru-RU" dirty="0"/>
-              <a:t>   Д. В. Горбачев</a:t>
+              <a:t>Руководитель: Ст. преподаватель кафедры ИСиТ   Д. В. Горбачев</a:t>
             </a:r>
           </a:p>
           <a:p>
@@ -5768,6 +5790,16 @@
 <file path=ppt/slides/slide3.xml><?xml version="1.0" encoding="utf-8"?>
 <p:sld xmlns:a="http://schemas.openxmlformats.org/drawingml/2006/main" xmlns:r="http://schemas.openxmlformats.org/officeDocument/2006/relationships" xmlns:p="http://schemas.openxmlformats.org/presentationml/2006/main">
   <p:cSld>
+    <p:bg>
+      <p:bgPr>
+        <a:solidFill>
+          <a:schemeClr val="bg1">
+            <a:lumMod val="95000"/>
+          </a:schemeClr>
+        </a:solidFill>
+        <a:effectLst/>
+      </p:bgPr>
+    </p:bg>
     <p:spTree>
       <p:nvGrpSpPr>
         <p:cNvPr id="1" name=""/>
@@ -5907,6 +5939,16 @@
 <file path=ppt/slides/slide4.xml><?xml version="1.0" encoding="utf-8"?>
 <p:sld xmlns:a="http://schemas.openxmlformats.org/drawingml/2006/main" xmlns:r="http://schemas.openxmlformats.org/officeDocument/2006/relationships" xmlns:p="http://schemas.openxmlformats.org/presentationml/2006/main">
   <p:cSld>
+    <p:bg>
+      <p:bgPr>
+        <a:solidFill>
+          <a:schemeClr val="bg1">
+            <a:lumMod val="95000"/>
+          </a:schemeClr>
+        </a:solidFill>
+        <a:effectLst/>
+      </p:bgPr>
+    </p:bg>
     <p:spTree>
       <p:nvGrpSpPr>
         <p:cNvPr id="1" name=""/>
@@ -5987,34 +6029,34 @@
           <a:p>
             <a:r>
               <a:rPr lang="ru-RU" dirty="0"/>
-              <a:t>регистрация и авторизация пользователя;</a:t>
+              <a:t>Регистрация и авторизация пользователя</a:t>
             </a:r>
           </a:p>
           <a:p>
             <a:pPr lvl="0"/>
             <a:r>
               <a:rPr lang="ru-RU" dirty="0"/>
-              <a:t>управление и хранение пользовательских заметок;</a:t>
+              <a:t>Управление и хранение пользовательских заметок</a:t>
             </a:r>
           </a:p>
           <a:p>
             <a:pPr lvl="0"/>
             <a:r>
               <a:rPr lang="ru-RU" dirty="0"/>
-              <a:t>поиск по заметкам;</a:t>
+              <a:t>Поиск по заметкам</a:t>
             </a:r>
           </a:p>
           <a:p>
             <a:pPr lvl="0"/>
             <a:r>
               <a:rPr lang="ru-RU" dirty="0"/>
-              <a:t>управление доступом к заметкам;</a:t>
+              <a:t>Управление доступом к заметкам</a:t>
             </a:r>
           </a:p>
           <a:p>
             <a:r>
               <a:rPr lang="ru-RU" dirty="0"/>
-              <a:t>управление пользователями</a:t>
+              <a:t>Управление пользователями</a:t>
             </a:r>
           </a:p>
         </p:txBody>
@@ -6035,6 +6077,16 @@
 <file path=ppt/slides/slide5.xml><?xml version="1.0" encoding="utf-8"?>
 <p:sld xmlns:a="http://schemas.openxmlformats.org/drawingml/2006/main" xmlns:r="http://schemas.openxmlformats.org/officeDocument/2006/relationships" xmlns:p="http://schemas.openxmlformats.org/presentationml/2006/main">
   <p:cSld>
+    <p:bg>
+      <p:bgPr>
+        <a:solidFill>
+          <a:schemeClr val="bg1">
+            <a:lumMod val="95000"/>
+          </a:schemeClr>
+        </a:solidFill>
+        <a:effectLst/>
+      </p:bgPr>
+    </p:bg>
     <p:spTree>
       <p:nvGrpSpPr>
         <p:cNvPr id="1" name=""/>
@@ -6154,6 +6206,16 @@
 <file path=ppt/slides/slide6.xml><?xml version="1.0" encoding="utf-8"?>
 <p:sld xmlns:a="http://schemas.openxmlformats.org/drawingml/2006/main" xmlns:r="http://schemas.openxmlformats.org/officeDocument/2006/relationships" xmlns:p="http://schemas.openxmlformats.org/presentationml/2006/main">
   <p:cSld>
+    <p:bg>
+      <p:bgPr>
+        <a:solidFill>
+          <a:schemeClr val="bg1">
+            <a:lumMod val="95000"/>
+          </a:schemeClr>
+        </a:solidFill>
+        <a:effectLst/>
+      </p:bgPr>
+    </p:bg>
     <p:spTree>
       <p:nvGrpSpPr>
         <p:cNvPr id="1" name=""/>
@@ -6218,7 +6280,12 @@
             <p:ph idx="1"/>
           </p:nvPr>
         </p:nvSpPr>
-        <p:spPr/>
+        <p:spPr>
+          <a:xfrm>
+            <a:off x="838200" y="1967668"/>
+            <a:ext cx="10515600" cy="4351338"/>
+          </a:xfrm>
+        </p:spPr>
         <p:txBody>
           <a:bodyPr/>
           <a:lstStyle/>
@@ -6275,6 +6342,16 @@
 <file path=ppt/slides/slide7.xml><?xml version="1.0" encoding="utf-8"?>
 <p:sld xmlns:a="http://schemas.openxmlformats.org/drawingml/2006/main" xmlns:r="http://schemas.openxmlformats.org/officeDocument/2006/relationships" xmlns:p="http://schemas.openxmlformats.org/presentationml/2006/main">
   <p:cSld>
+    <p:bg>
+      <p:bgPr>
+        <a:solidFill>
+          <a:schemeClr val="bg1">
+            <a:lumMod val="95000"/>
+          </a:schemeClr>
+        </a:solidFill>
+        <a:effectLst/>
+      </p:bgPr>
+    </p:bg>
     <p:spTree>
       <p:nvGrpSpPr>
         <p:cNvPr id="1" name=""/>
@@ -6421,6 +6498,16 @@
 <file path=ppt/slides/slide8.xml><?xml version="1.0" encoding="utf-8"?>
 <p:sld xmlns:a="http://schemas.openxmlformats.org/drawingml/2006/main" xmlns:r="http://schemas.openxmlformats.org/officeDocument/2006/relationships" xmlns:p="http://schemas.openxmlformats.org/presentationml/2006/main">
   <p:cSld>
+    <p:bg>
+      <p:bgPr>
+        <a:solidFill>
+          <a:schemeClr val="bg1">
+            <a:lumMod val="95000"/>
+          </a:schemeClr>
+        </a:solidFill>
+        <a:effectLst/>
+      </p:bgPr>
+    </p:bg>
     <p:spTree>
       <p:nvGrpSpPr>
         <p:cNvPr id="1" name=""/>
@@ -6492,8 +6579,8 @@
         </p:blipFill>
         <p:spPr>
           <a:xfrm>
-            <a:off x="1617216" y="986076"/>
-            <a:ext cx="8957568" cy="5746592"/>
+            <a:off x="1617216" y="1087120"/>
+            <a:ext cx="8957568" cy="5645548"/>
           </a:xfrm>
           <a:prstGeom prst="rect">
             <a:avLst/>
@@ -6516,6 +6603,16 @@
 <file path=ppt/slides/slide9.xml><?xml version="1.0" encoding="utf-8"?>
 <p:sld xmlns:a="http://schemas.openxmlformats.org/drawingml/2006/main" xmlns:r="http://schemas.openxmlformats.org/officeDocument/2006/relationships" xmlns:p="http://schemas.openxmlformats.org/presentationml/2006/main">
   <p:cSld>
+    <p:bg>
+      <p:bgPr>
+        <a:solidFill>
+          <a:schemeClr val="bg1">
+            <a:lumMod val="95000"/>
+          </a:schemeClr>
+        </a:solidFill>
+        <a:effectLst/>
+      </p:bgPr>
+    </p:bg>
     <p:spTree>
       <p:nvGrpSpPr>
         <p:cNvPr id="1" name=""/>
@@ -6587,8 +6684,8 @@
         </p:blipFill>
         <p:spPr>
           <a:xfrm>
-            <a:off x="1528439" y="1035887"/>
-            <a:ext cx="9135122" cy="5822113"/>
+            <a:off x="1528439" y="1270000"/>
+            <a:ext cx="9135122" cy="5588000"/>
           </a:xfrm>
           <a:prstGeom prst="rect">
             <a:avLst/>
@@ -6611,7 +6708,7 @@
 <file path=ppt/theme/theme1.xml><?xml version="1.0" encoding="utf-8"?>
 <a:theme xmlns:a="http://schemas.openxmlformats.org/drawingml/2006/main" name="Тема Office">
   <a:themeElements>
-    <a:clrScheme name="Стандартная">
+    <a:clrScheme name="Фиолетовый">
       <a:dk1>
         <a:sysClr val="windowText" lastClr="000000"/>
       </a:dk1>
@@ -6619,34 +6716,34 @@
         <a:sysClr val="window" lastClr="FFFFFF"/>
       </a:lt1>
       <a:dk2>
-        <a:srgbClr val="44546A"/>
+        <a:srgbClr val="373545"/>
       </a:dk2>
       <a:lt2>
-        <a:srgbClr val="E7E6E6"/>
+        <a:srgbClr val="DCD8DC"/>
       </a:lt2>
       <a:accent1>
-        <a:srgbClr val="4472C4"/>
+        <a:srgbClr val="AD84C6"/>
       </a:accent1>
       <a:accent2>
-        <a:srgbClr val="ED7D31"/>
+        <a:srgbClr val="8784C7"/>
       </a:accent2>
       <a:accent3>
-        <a:srgbClr val="A5A5A5"/>
+        <a:srgbClr val="5D739A"/>
       </a:accent3>
       <a:accent4>
-        <a:srgbClr val="FFC000"/>
+        <a:srgbClr val="6997AF"/>
       </a:accent4>
       <a:accent5>
-        <a:srgbClr val="5B9BD5"/>
+        <a:srgbClr val="84ACB6"/>
       </a:accent5>
       <a:accent6>
-        <a:srgbClr val="70AD47"/>
+        <a:srgbClr val="6F8183"/>
       </a:accent6>
       <a:hlink>
-        <a:srgbClr val="0563C1"/>
+        <a:srgbClr val="69A020"/>
       </a:hlink>
       <a:folHlink>
-        <a:srgbClr val="954F72"/>
+        <a:srgbClr val="8C8C8C"/>
       </a:folHlink>
     </a:clrScheme>
     <a:fontScheme name="Стандартная">
